--- a/docs/SRS/figures/spot_ratio/sampling_scenarios.pptx
+++ b/docs/SRS/figures/spot_ratio/sampling_scenarios.pptx
@@ -243,7 +243,7 @@
           <a:p>
             <a:fld id="{D00304F6-771F-48BC-9F4A-837AD6C9796E}" type="datetimeFigureOut">
               <a:rPr lang="en-CA" smtClean="0"/>
-              <a:t>2023-02-12</a:t>
+              <a:t>2023-02-17</a:t>
             </a:fld>
             <a:endParaRPr lang="en-CA"/>
           </a:p>
@@ -413,7 +413,7 @@
           <a:p>
             <a:fld id="{D00304F6-771F-48BC-9F4A-837AD6C9796E}" type="datetimeFigureOut">
               <a:rPr lang="en-CA" smtClean="0"/>
-              <a:t>2023-02-12</a:t>
+              <a:t>2023-02-17</a:t>
             </a:fld>
             <a:endParaRPr lang="en-CA"/>
           </a:p>
@@ -593,7 +593,7 @@
           <a:p>
             <a:fld id="{D00304F6-771F-48BC-9F4A-837AD6C9796E}" type="datetimeFigureOut">
               <a:rPr lang="en-CA" smtClean="0"/>
-              <a:t>2023-02-12</a:t>
+              <a:t>2023-02-17</a:t>
             </a:fld>
             <a:endParaRPr lang="en-CA"/>
           </a:p>
@@ -763,7 +763,7 @@
           <a:p>
             <a:fld id="{D00304F6-771F-48BC-9F4A-837AD6C9796E}" type="datetimeFigureOut">
               <a:rPr lang="en-CA" smtClean="0"/>
-              <a:t>2023-02-12</a:t>
+              <a:t>2023-02-17</a:t>
             </a:fld>
             <a:endParaRPr lang="en-CA"/>
           </a:p>
@@ -1007,7 +1007,7 @@
           <a:p>
             <a:fld id="{D00304F6-771F-48BC-9F4A-837AD6C9796E}" type="datetimeFigureOut">
               <a:rPr lang="en-CA" smtClean="0"/>
-              <a:t>2023-02-12</a:t>
+              <a:t>2023-02-17</a:t>
             </a:fld>
             <a:endParaRPr lang="en-CA"/>
           </a:p>
@@ -1239,7 +1239,7 @@
           <a:p>
             <a:fld id="{D00304F6-771F-48BC-9F4A-837AD6C9796E}" type="datetimeFigureOut">
               <a:rPr lang="en-CA" smtClean="0"/>
-              <a:t>2023-02-12</a:t>
+              <a:t>2023-02-17</a:t>
             </a:fld>
             <a:endParaRPr lang="en-CA"/>
           </a:p>
@@ -1606,7 +1606,7 @@
           <a:p>
             <a:fld id="{D00304F6-771F-48BC-9F4A-837AD6C9796E}" type="datetimeFigureOut">
               <a:rPr lang="en-CA" smtClean="0"/>
-              <a:t>2023-02-12</a:t>
+              <a:t>2023-02-17</a:t>
             </a:fld>
             <a:endParaRPr lang="en-CA"/>
           </a:p>
@@ -1724,7 +1724,7 @@
           <a:p>
             <a:fld id="{D00304F6-771F-48BC-9F4A-837AD6C9796E}" type="datetimeFigureOut">
               <a:rPr lang="en-CA" smtClean="0"/>
-              <a:t>2023-02-12</a:t>
+              <a:t>2023-02-17</a:t>
             </a:fld>
             <a:endParaRPr lang="en-CA"/>
           </a:p>
@@ -1819,7 +1819,7 @@
           <a:p>
             <a:fld id="{D00304F6-771F-48BC-9F4A-837AD6C9796E}" type="datetimeFigureOut">
               <a:rPr lang="en-CA" smtClean="0"/>
-              <a:t>2023-02-12</a:t>
+              <a:t>2023-02-17</a:t>
             </a:fld>
             <a:endParaRPr lang="en-CA"/>
           </a:p>
@@ -2096,7 +2096,7 @@
           <a:p>
             <a:fld id="{D00304F6-771F-48BC-9F4A-837AD6C9796E}" type="datetimeFigureOut">
               <a:rPr lang="en-CA" smtClean="0"/>
-              <a:t>2023-02-12</a:t>
+              <a:t>2023-02-17</a:t>
             </a:fld>
             <a:endParaRPr lang="en-CA"/>
           </a:p>
@@ -2353,7 +2353,7 @@
           <a:p>
             <a:fld id="{D00304F6-771F-48BC-9F4A-837AD6C9796E}" type="datetimeFigureOut">
               <a:rPr lang="en-CA" smtClean="0"/>
-              <a:t>2023-02-12</a:t>
+              <a:t>2023-02-17</a:t>
             </a:fld>
             <a:endParaRPr lang="en-CA"/>
           </a:p>
@@ -2566,7 +2566,7 @@
           <a:p>
             <a:fld id="{D00304F6-771F-48BC-9F4A-837AD6C9796E}" type="datetimeFigureOut">
               <a:rPr lang="en-CA" smtClean="0"/>
-              <a:t>2023-02-12</a:t>
+              <a:t>2023-02-17</a:t>
             </a:fld>
             <a:endParaRPr lang="en-CA"/>
           </a:p>
@@ -3205,35 +3205,6 @@
           </a:p>
         </p:txBody>
       </p:sp>
-      <p:pic>
-        <p:nvPicPr>
-          <p:cNvPr id="9" name="Picture 8">
-            <a:extLst>
-              <a:ext uri="{FF2B5EF4-FFF2-40B4-BE49-F238E27FC236}">
-                <a16:creationId xmlns:a16="http://schemas.microsoft.com/office/drawing/2014/main" id="{04C0C0ED-F1E5-2B48-58CB-7AE8DC9A727D}"/>
-              </a:ext>
-            </a:extLst>
-          </p:cNvPr>
-          <p:cNvPicPr>
-            <a:picLocks noChangeAspect="1"/>
-          </p:cNvPicPr>
-          <p:nvPr/>
-        </p:nvPicPr>
-        <p:blipFill rotWithShape="1">
-          <a:blip r:embed="rId2"/>
-          <a:srcRect l="4953" t="4325" r="5971" b="6200"/>
-          <a:stretch/>
-        </p:blipFill>
-        <p:spPr>
-          <a:xfrm>
-            <a:off x="2441940" y="264313"/>
-            <a:ext cx="1490803" cy="1484197"/>
-          </a:xfrm>
-          <a:prstGeom prst="rect">
-            <a:avLst/>
-          </a:prstGeom>
-        </p:spPr>
-      </p:pic>
       <p:grpSp>
         <p:nvGrpSpPr>
           <p:cNvPr id="10" name="Group 9">
@@ -3364,35 +3335,6 @@
           </p:txBody>
         </p:sp>
       </p:grpSp>
-      <p:pic>
-        <p:nvPicPr>
-          <p:cNvPr id="13" name="Picture 12">
-            <a:extLst>
-              <a:ext uri="{FF2B5EF4-FFF2-40B4-BE49-F238E27FC236}">
-                <a16:creationId xmlns:a16="http://schemas.microsoft.com/office/drawing/2014/main" id="{B39257A9-CED3-1602-36BC-1EBB8637E01E}"/>
-              </a:ext>
-            </a:extLst>
-          </p:cNvPr>
-          <p:cNvPicPr>
-            <a:picLocks noChangeAspect="1"/>
-          </p:cNvPicPr>
-          <p:nvPr/>
-        </p:nvPicPr>
-        <p:blipFill rotWithShape="1">
-          <a:blip r:embed="rId3"/>
-          <a:srcRect l="2232" t="2191" r="1916" b="3529"/>
-          <a:stretch/>
-        </p:blipFill>
-        <p:spPr>
-          <a:xfrm>
-            <a:off x="6573699" y="314662"/>
-            <a:ext cx="1490803" cy="1491630"/>
-          </a:xfrm>
-          <a:prstGeom prst="rect">
-            <a:avLst/>
-          </a:prstGeom>
-        </p:spPr>
-      </p:pic>
       <p:sp>
         <p:nvSpPr>
           <p:cNvPr id="16" name="TextBox 15">
@@ -3598,35 +3540,6 @@
           </p:txBody>
         </p:sp>
       </p:grpSp>
-      <p:pic>
-        <p:nvPicPr>
-          <p:cNvPr id="21" name="Picture 20">
-            <a:extLst>
-              <a:ext uri="{FF2B5EF4-FFF2-40B4-BE49-F238E27FC236}">
-                <a16:creationId xmlns:a16="http://schemas.microsoft.com/office/drawing/2014/main" id="{73874C50-14BB-6FA0-8F2F-C8DFCAC6B1E1}"/>
-              </a:ext>
-            </a:extLst>
-          </p:cNvPr>
-          <p:cNvPicPr>
-            <a:picLocks noChangeAspect="1"/>
-          </p:cNvPicPr>
-          <p:nvPr/>
-        </p:nvPicPr>
-        <p:blipFill rotWithShape="1">
-          <a:blip r:embed="rId4"/>
-          <a:srcRect l="4175" t="3989" r="4320" b="2843"/>
-          <a:stretch/>
-        </p:blipFill>
-        <p:spPr>
-          <a:xfrm>
-            <a:off x="6573699" y="2482781"/>
-            <a:ext cx="1490803" cy="1488830"/>
-          </a:xfrm>
-          <a:prstGeom prst="rect">
-            <a:avLst/>
-          </a:prstGeom>
-        </p:spPr>
-      </p:pic>
       <p:grpSp>
         <p:nvGrpSpPr>
           <p:cNvPr id="22" name="Group 21">
@@ -3757,35 +3670,6 @@
           </p:txBody>
         </p:sp>
       </p:grpSp>
-      <p:pic>
-        <p:nvPicPr>
-          <p:cNvPr id="25" name="Picture 24">
-            <a:extLst>
-              <a:ext uri="{FF2B5EF4-FFF2-40B4-BE49-F238E27FC236}">
-                <a16:creationId xmlns:a16="http://schemas.microsoft.com/office/drawing/2014/main" id="{C3573835-9B03-5D1A-FBE3-F1DFCA66BC82}"/>
-              </a:ext>
-            </a:extLst>
-          </p:cNvPr>
-          <p:cNvPicPr>
-            <a:picLocks noChangeAspect="1"/>
-          </p:cNvPicPr>
-          <p:nvPr/>
-        </p:nvPicPr>
-        <p:blipFill rotWithShape="1">
-          <a:blip r:embed="rId5"/>
-          <a:srcRect l="4120" t="4821" r="3881" b="2717"/>
-          <a:stretch/>
-        </p:blipFill>
-        <p:spPr>
-          <a:xfrm>
-            <a:off x="2441940" y="2482782"/>
-            <a:ext cx="1490803" cy="1484572"/>
-          </a:xfrm>
-          <a:prstGeom prst="rect">
-            <a:avLst/>
-          </a:prstGeom>
-        </p:spPr>
-      </p:pic>
       <p:sp>
         <p:nvSpPr>
           <p:cNvPr id="26" name="TextBox 25">
@@ -3891,7 +3775,7 @@
             <p:nvPr/>
           </p:nvPicPr>
           <p:blipFill>
-            <a:blip r:embed="rId6">
+            <a:blip r:embed="rId2">
               <a:extLst>
                 <a:ext uri="{28A0092B-C50C-407E-A947-70E740481C1C}">
                   <a14:useLocalDpi xmlns:a14="http://schemas.microsoft.com/office/drawing/2010/main" val="0"/>
@@ -3927,7 +3811,7 @@
             <p:nvPr/>
           </p:nvPicPr>
           <p:blipFill>
-            <a:blip r:embed="rId7">
+            <a:blip r:embed="rId3">
               <a:extLst>
                 <a:ext uri="{28A0092B-C50C-407E-A947-70E740481C1C}">
                   <a14:useLocalDpi xmlns:a14="http://schemas.microsoft.com/office/drawing/2010/main" val="0"/>
@@ -4276,6 +4160,227 @@
             <a:extLst>
               <a:ext uri="{FF2B5EF4-FFF2-40B4-BE49-F238E27FC236}">
                 <a16:creationId xmlns:a16="http://schemas.microsoft.com/office/drawing/2014/main" id="{334C7FF7-7C09-5686-6496-DF63082C79AA}"/>
+              </a:ext>
+            </a:extLst>
+          </p:cNvPr>
+          <p:cNvPicPr>
+            <a:picLocks noChangeAspect="1"/>
+          </p:cNvPicPr>
+          <p:nvPr/>
+        </p:nvPicPr>
+        <p:blipFill>
+          <a:blip r:embed="rId4">
+            <a:extLst>
+              <a:ext uri="{28A0092B-C50C-407E-A947-70E740481C1C}">
+                <a14:useLocalDpi xmlns:a14="http://schemas.microsoft.com/office/drawing/2010/main" val="0"/>
+              </a:ext>
+            </a:extLst>
+          </a:blip>
+          <a:stretch>
+            <a:fillRect/>
+          </a:stretch>
+        </p:blipFill>
+        <p:spPr>
+          <a:xfrm>
+            <a:off x="475913" y="4489828"/>
+            <a:ext cx="1500053" cy="1500053"/>
+          </a:xfrm>
+          <a:prstGeom prst="rect">
+            <a:avLst/>
+          </a:prstGeom>
+        </p:spPr>
+      </p:pic>
+      <p:sp>
+        <p:nvSpPr>
+          <p:cNvPr id="30" name="TextBox 29">
+            <a:extLst>
+              <a:ext uri="{FF2B5EF4-FFF2-40B4-BE49-F238E27FC236}">
+                <a16:creationId xmlns:a16="http://schemas.microsoft.com/office/drawing/2014/main" id="{70546304-9376-B9DB-5CB4-CB159E8357CE}"/>
+              </a:ext>
+            </a:extLst>
+          </p:cNvPr>
+          <p:cNvSpPr txBox="1"/>
+          <p:nvPr/>
+        </p:nvSpPr>
+        <p:spPr>
+          <a:xfrm>
+            <a:off x="398281" y="4137733"/>
+            <a:ext cx="1674105" cy="369460"/>
+          </a:xfrm>
+          <a:prstGeom prst="rect">
+            <a:avLst/>
+          </a:prstGeom>
+          <a:noFill/>
+        </p:spPr>
+        <p:txBody>
+          <a:bodyPr wrap="square">
+            <a:spAutoFit/>
+          </a:bodyPr>
+          <a:lstStyle/>
+          <a:p>
+            <a:pPr algn="ctr"/>
+            <a:r>
+              <a:rPr lang="en-CA" sz="1801" dirty="0"/>
+              <a:t>Original</a:t>
+            </a:r>
+          </a:p>
+        </p:txBody>
+      </p:sp>
+      <p:sp>
+        <p:nvSpPr>
+          <p:cNvPr id="32" name="TextBox 31">
+            <a:extLst>
+              <a:ext uri="{FF2B5EF4-FFF2-40B4-BE49-F238E27FC236}">
+                <a16:creationId xmlns:a16="http://schemas.microsoft.com/office/drawing/2014/main" id="{6CD5CE20-3D43-4E8E-CE5B-8452D31C933C}"/>
+              </a:ext>
+            </a:extLst>
+          </p:cNvPr>
+          <p:cNvSpPr txBox="1"/>
+          <p:nvPr/>
+        </p:nvSpPr>
+        <p:spPr>
+          <a:xfrm>
+            <a:off x="-8217" y="4134216"/>
+            <a:ext cx="296876" cy="369332"/>
+          </a:xfrm>
+          <a:prstGeom prst="rect">
+            <a:avLst/>
+          </a:prstGeom>
+          <a:solidFill>
+            <a:schemeClr val="tx1"/>
+          </a:solidFill>
+        </p:spPr>
+        <p:txBody>
+          <a:bodyPr wrap="none" rtlCol="0">
+            <a:spAutoFit/>
+          </a:bodyPr>
+          <a:lstStyle/>
+          <a:p>
+            <a:r>
+              <a:rPr lang="en-CA" dirty="0">
+                <a:solidFill>
+                  <a:schemeClr val="bg1"/>
+                </a:solidFill>
+              </a:rPr>
+              <a:t>E</a:t>
+            </a:r>
+          </a:p>
+        </p:txBody>
+      </p:sp>
+      <p:pic>
+        <p:nvPicPr>
+          <p:cNvPr id="34" name="Picture 33" descr="Qr code&#10;&#10;Description automatically generated">
+            <a:extLst>
+              <a:ext uri="{FF2B5EF4-FFF2-40B4-BE49-F238E27FC236}">
+                <a16:creationId xmlns:a16="http://schemas.microsoft.com/office/drawing/2014/main" id="{4BDC7584-5FEC-10A3-110D-8BA7A8ABC03D}"/>
+              </a:ext>
+            </a:extLst>
+          </p:cNvPr>
+          <p:cNvPicPr>
+            <a:picLocks noChangeAspect="1"/>
+          </p:cNvPicPr>
+          <p:nvPr/>
+        </p:nvPicPr>
+        <p:blipFill>
+          <a:blip r:embed="rId5">
+            <a:extLst>
+              <a:ext uri="{28A0092B-C50C-407E-A947-70E740481C1C}">
+                <a14:useLocalDpi xmlns:a14="http://schemas.microsoft.com/office/drawing/2010/main" val="0"/>
+              </a:ext>
+            </a:extLst>
+          </a:blip>
+          <a:stretch>
+            <a:fillRect/>
+          </a:stretch>
+        </p:blipFill>
+        <p:spPr>
+          <a:xfrm>
+            <a:off x="2440155" y="264313"/>
+            <a:ext cx="1500053" cy="1500053"/>
+          </a:xfrm>
+          <a:prstGeom prst="rect">
+            <a:avLst/>
+          </a:prstGeom>
+        </p:spPr>
+      </p:pic>
+      <p:pic>
+        <p:nvPicPr>
+          <p:cNvPr id="37" name="Picture 36" descr="A picture containing qr code&#10;&#10;Description automatically generated">
+            <a:extLst>
+              <a:ext uri="{FF2B5EF4-FFF2-40B4-BE49-F238E27FC236}">
+                <a16:creationId xmlns:a16="http://schemas.microsoft.com/office/drawing/2014/main" id="{4DA523D8-6D97-C385-587D-06EDEAC97EC8}"/>
+              </a:ext>
+            </a:extLst>
+          </p:cNvPr>
+          <p:cNvPicPr>
+            <a:picLocks noChangeAspect="1"/>
+          </p:cNvPicPr>
+          <p:nvPr/>
+        </p:nvPicPr>
+        <p:blipFill>
+          <a:blip r:embed="rId6">
+            <a:extLst>
+              <a:ext uri="{28A0092B-C50C-407E-A947-70E740481C1C}">
+                <a14:useLocalDpi xmlns:a14="http://schemas.microsoft.com/office/drawing/2010/main" val="0"/>
+              </a:ext>
+            </a:extLst>
+          </a:blip>
+          <a:stretch>
+            <a:fillRect/>
+          </a:stretch>
+        </p:blipFill>
+        <p:spPr>
+          <a:xfrm>
+            <a:off x="2440155" y="2483532"/>
+            <a:ext cx="1501200" cy="1501200"/>
+          </a:xfrm>
+          <a:prstGeom prst="rect">
+            <a:avLst/>
+          </a:prstGeom>
+        </p:spPr>
+      </p:pic>
+      <p:pic>
+        <p:nvPicPr>
+          <p:cNvPr id="39" name="Picture 38" descr="A picture containing qr code&#10;&#10;Description automatically generated">
+            <a:extLst>
+              <a:ext uri="{FF2B5EF4-FFF2-40B4-BE49-F238E27FC236}">
+                <a16:creationId xmlns:a16="http://schemas.microsoft.com/office/drawing/2014/main" id="{52CA8ADF-CE31-A3B5-4D12-3FC6D0803F08}"/>
+              </a:ext>
+            </a:extLst>
+          </p:cNvPr>
+          <p:cNvPicPr>
+            <a:picLocks noChangeAspect="1"/>
+          </p:cNvPicPr>
+          <p:nvPr/>
+        </p:nvPicPr>
+        <p:blipFill>
+          <a:blip r:embed="rId7">
+            <a:extLst>
+              <a:ext uri="{28A0092B-C50C-407E-A947-70E740481C1C}">
+                <a14:useLocalDpi xmlns:a14="http://schemas.microsoft.com/office/drawing/2010/main" val="0"/>
+              </a:ext>
+            </a:extLst>
+          </a:blip>
+          <a:stretch>
+            <a:fillRect/>
+          </a:stretch>
+        </p:blipFill>
+        <p:spPr>
+          <a:xfrm>
+            <a:off x="6563299" y="2478725"/>
+            <a:ext cx="1501200" cy="1501200"/>
+          </a:xfrm>
+          <a:prstGeom prst="rect">
+            <a:avLst/>
+          </a:prstGeom>
+        </p:spPr>
+      </p:pic>
+      <p:pic>
+        <p:nvPicPr>
+          <p:cNvPr id="41" name="Picture 40" descr="A picture containing map&#10;&#10;Description automatically generated">
+            <a:extLst>
+              <a:ext uri="{FF2B5EF4-FFF2-40B4-BE49-F238E27FC236}">
+                <a16:creationId xmlns:a16="http://schemas.microsoft.com/office/drawing/2014/main" id="{98C37592-26E4-C9AC-EE33-A6AA96F15F15}"/>
               </a:ext>
             </a:extLst>
           </p:cNvPr>
@@ -4298,91 +4403,14 @@
         </p:blipFill>
         <p:spPr>
           <a:xfrm>
-            <a:off x="475913" y="4489828"/>
-            <a:ext cx="1500053" cy="1500053"/>
+            <a:off x="6563299" y="258950"/>
+            <a:ext cx="1501200" cy="1501200"/>
           </a:xfrm>
           <a:prstGeom prst="rect">
             <a:avLst/>
           </a:prstGeom>
         </p:spPr>
       </p:pic>
-      <p:sp>
-        <p:nvSpPr>
-          <p:cNvPr id="30" name="TextBox 29">
-            <a:extLst>
-              <a:ext uri="{FF2B5EF4-FFF2-40B4-BE49-F238E27FC236}">
-                <a16:creationId xmlns:a16="http://schemas.microsoft.com/office/drawing/2014/main" id="{70546304-9376-B9DB-5CB4-CB159E8357CE}"/>
-              </a:ext>
-            </a:extLst>
-          </p:cNvPr>
-          <p:cNvSpPr txBox="1"/>
-          <p:nvPr/>
-        </p:nvSpPr>
-        <p:spPr>
-          <a:xfrm>
-            <a:off x="398281" y="4137733"/>
-            <a:ext cx="1674105" cy="369460"/>
-          </a:xfrm>
-          <a:prstGeom prst="rect">
-            <a:avLst/>
-          </a:prstGeom>
-          <a:noFill/>
-        </p:spPr>
-        <p:txBody>
-          <a:bodyPr wrap="square">
-            <a:spAutoFit/>
-          </a:bodyPr>
-          <a:lstStyle/>
-          <a:p>
-            <a:pPr algn="ctr"/>
-            <a:r>
-              <a:rPr lang="en-CA" sz="1801" dirty="0"/>
-              <a:t>Original</a:t>
-            </a:r>
-          </a:p>
-        </p:txBody>
-      </p:sp>
-      <p:sp>
-        <p:nvSpPr>
-          <p:cNvPr id="32" name="TextBox 31">
-            <a:extLst>
-              <a:ext uri="{FF2B5EF4-FFF2-40B4-BE49-F238E27FC236}">
-                <a16:creationId xmlns:a16="http://schemas.microsoft.com/office/drawing/2014/main" id="{6CD5CE20-3D43-4E8E-CE5B-8452D31C933C}"/>
-              </a:ext>
-            </a:extLst>
-          </p:cNvPr>
-          <p:cNvSpPr txBox="1"/>
-          <p:nvPr/>
-        </p:nvSpPr>
-        <p:spPr>
-          <a:xfrm>
-            <a:off x="-8217" y="4134216"/>
-            <a:ext cx="296876" cy="369332"/>
-          </a:xfrm>
-          <a:prstGeom prst="rect">
-            <a:avLst/>
-          </a:prstGeom>
-          <a:solidFill>
-            <a:schemeClr val="tx1"/>
-          </a:solidFill>
-        </p:spPr>
-        <p:txBody>
-          <a:bodyPr wrap="none" rtlCol="0">
-            <a:spAutoFit/>
-          </a:bodyPr>
-          <a:lstStyle/>
-          <a:p>
-            <a:r>
-              <a:rPr lang="en-CA" dirty="0">
-                <a:solidFill>
-                  <a:schemeClr val="bg1"/>
-                </a:solidFill>
-              </a:rPr>
-              <a:t>E</a:t>
-            </a:r>
-          </a:p>
-        </p:txBody>
-      </p:sp>
     </p:spTree>
     <p:extLst>
       <p:ext uri="{BB962C8B-B14F-4D97-AF65-F5344CB8AC3E}">
